--- a/UMLd.pptx
+++ b/UMLd.pptx
@@ -4323,7 +4323,7 @@
           <a:lstStyle/>
           <a:p>
             <a:r>
-              <a:rPr lang="en-US" sz="8000" b="1" dirty="0">
+              <a:rPr lang="en-US" sz="8800" b="1" dirty="0">
                 <a:solidFill>
                   <a:schemeClr val="bg1"/>
                 </a:solidFill>
@@ -4526,8 +4526,8 @@
           </a:lstStyle>
           <a:p>
             <a:r>
-              <a:rPr lang="en-US" sz="6000" b="1" dirty="0"/>
-              <a:t>Anomaly Web App</a:t>
+              <a:rPr lang="en-US" sz="4800" b="1" dirty="0"/>
+              <a:t>Anomaly Detection Server</a:t>
             </a:r>
           </a:p>
         </p:txBody>

--- a/UMLd.pptx
+++ b/UMLd.pptx
@@ -201,7 +201,7 @@
           <a:p>
             <a:fld id="{BCB9383C-6416-499C-BC25-2399D0A5CA4F}" type="datetimeFigureOut">
               <a:rPr lang="en-US" smtClean="0"/>
-              <a:t>23-May-21</a:t>
+              <a:t>26-May-21</a:t>
             </a:fld>
             <a:endParaRPr lang="en-US"/>
           </a:p>
@@ -699,7 +699,7 @@
           <a:p>
             <a:fld id="{E9DABC91-0CE8-4055-9184-441A8D3C7FA4}" type="datetimeFigureOut">
               <a:rPr lang="en-US" smtClean="0"/>
-              <a:t>23-May-21</a:t>
+              <a:t>26-May-21</a:t>
             </a:fld>
             <a:endParaRPr lang="en-US"/>
           </a:p>
@@ -897,7 +897,7 @@
           <a:p>
             <a:fld id="{E9DABC91-0CE8-4055-9184-441A8D3C7FA4}" type="datetimeFigureOut">
               <a:rPr lang="en-US" smtClean="0"/>
-              <a:t>23-May-21</a:t>
+              <a:t>26-May-21</a:t>
             </a:fld>
             <a:endParaRPr lang="en-US"/>
           </a:p>
@@ -1105,7 +1105,7 @@
           <a:p>
             <a:fld id="{E9DABC91-0CE8-4055-9184-441A8D3C7FA4}" type="datetimeFigureOut">
               <a:rPr lang="en-US" smtClean="0"/>
-              <a:t>23-May-21</a:t>
+              <a:t>26-May-21</a:t>
             </a:fld>
             <a:endParaRPr lang="en-US"/>
           </a:p>
@@ -1303,7 +1303,7 @@
           <a:p>
             <a:fld id="{E9DABC91-0CE8-4055-9184-441A8D3C7FA4}" type="datetimeFigureOut">
               <a:rPr lang="en-US" smtClean="0"/>
-              <a:t>23-May-21</a:t>
+              <a:t>26-May-21</a:t>
             </a:fld>
             <a:endParaRPr lang="en-US"/>
           </a:p>
@@ -1578,7 +1578,7 @@
           <a:p>
             <a:fld id="{E9DABC91-0CE8-4055-9184-441A8D3C7FA4}" type="datetimeFigureOut">
               <a:rPr lang="en-US" smtClean="0"/>
-              <a:t>23-May-21</a:t>
+              <a:t>26-May-21</a:t>
             </a:fld>
             <a:endParaRPr lang="en-US"/>
           </a:p>
@@ -1843,7 +1843,7 @@
           <a:p>
             <a:fld id="{E9DABC91-0CE8-4055-9184-441A8D3C7FA4}" type="datetimeFigureOut">
               <a:rPr lang="en-US" smtClean="0"/>
-              <a:t>23-May-21</a:t>
+              <a:t>26-May-21</a:t>
             </a:fld>
             <a:endParaRPr lang="en-US"/>
           </a:p>
@@ -2255,7 +2255,7 @@
           <a:p>
             <a:fld id="{E9DABC91-0CE8-4055-9184-441A8D3C7FA4}" type="datetimeFigureOut">
               <a:rPr lang="en-US" smtClean="0"/>
-              <a:t>23-May-21</a:t>
+              <a:t>26-May-21</a:t>
             </a:fld>
             <a:endParaRPr lang="en-US"/>
           </a:p>
@@ -2396,7 +2396,7 @@
           <a:p>
             <a:fld id="{E9DABC91-0CE8-4055-9184-441A8D3C7FA4}" type="datetimeFigureOut">
               <a:rPr lang="en-US" smtClean="0"/>
-              <a:t>23-May-21</a:t>
+              <a:t>26-May-21</a:t>
             </a:fld>
             <a:endParaRPr lang="en-US"/>
           </a:p>
@@ -2509,7 +2509,7 @@
           <a:p>
             <a:fld id="{E9DABC91-0CE8-4055-9184-441A8D3C7FA4}" type="datetimeFigureOut">
               <a:rPr lang="en-US" smtClean="0"/>
-              <a:t>23-May-21</a:t>
+              <a:t>26-May-21</a:t>
             </a:fld>
             <a:endParaRPr lang="en-US"/>
           </a:p>
@@ -2820,7 +2820,7 @@
           <a:p>
             <a:fld id="{E9DABC91-0CE8-4055-9184-441A8D3C7FA4}" type="datetimeFigureOut">
               <a:rPr lang="en-US" smtClean="0"/>
-              <a:t>23-May-21</a:t>
+              <a:t>26-May-21</a:t>
             </a:fld>
             <a:endParaRPr lang="en-US"/>
           </a:p>
@@ -3108,7 +3108,7 @@
           <a:p>
             <a:fld id="{E9DABC91-0CE8-4055-9184-441A8D3C7FA4}" type="datetimeFigureOut">
               <a:rPr lang="en-US" smtClean="0"/>
-              <a:t>23-May-21</a:t>
+              <a:t>26-May-21</a:t>
             </a:fld>
             <a:endParaRPr lang="en-US"/>
           </a:p>
@@ -3349,7 +3349,7 @@
           <a:p>
             <a:fld id="{E9DABC91-0CE8-4055-9184-441A8D3C7FA4}" type="datetimeFigureOut">
               <a:rPr lang="en-US" smtClean="0"/>
-              <a:t>23-May-21</a:t>
+              <a:t>26-May-21</a:t>
             </a:fld>
             <a:endParaRPr lang="en-US"/>
           </a:p>
@@ -5689,6 +5689,35 @@
           <a:xfrm>
             <a:off x="432225" y="2422444"/>
             <a:ext cx="11327549" cy="3539858"/>
+          </a:xfrm>
+          <a:prstGeom prst="rect">
+            <a:avLst/>
+          </a:prstGeom>
+        </p:spPr>
+      </p:pic>
+      <p:pic>
+        <p:nvPicPr>
+          <p:cNvPr id="4" name="Picture 3">
+            <a:extLst>
+              <a:ext uri="{FF2B5EF4-FFF2-40B4-BE49-F238E27FC236}">
+                <a16:creationId xmlns:a16="http://schemas.microsoft.com/office/drawing/2014/main" id="{6EEB9002-883D-403F-9C0B-9D0FDD99D844}"/>
+              </a:ext>
+            </a:extLst>
+          </p:cNvPr>
+          <p:cNvPicPr>
+            <a:picLocks noChangeAspect="1"/>
+          </p:cNvPicPr>
+          <p:nvPr/>
+        </p:nvPicPr>
+        <p:blipFill rotWithShape="1">
+          <a:blip r:embed="rId3"/>
+          <a:srcRect t="3874" b="13437"/>
+          <a:stretch/>
+        </p:blipFill>
+        <p:spPr>
+          <a:xfrm>
+            <a:off x="3974832" y="4079081"/>
+            <a:ext cx="2600378" cy="2651919"/>
           </a:xfrm>
           <a:prstGeom prst="rect">
             <a:avLst/>
